--- a/presentation.pptx
+++ b/presentation.pptx
@@ -27,21 +27,21 @@
   <p:notesSz cx="6858000" cy="9144000"/>
   <p:embeddedFontLst>
     <p:embeddedFont>
-      <p:font typeface="맑은 고딕" panose="020B0503020000020004" pitchFamily="50" charset="-127"/>
+      <p:font typeface="Century Gothic" panose="020B0502020202020204" pitchFamily="34" charset="0"/>
       <p:regular r:id="rId17"/>
       <p:bold r:id="rId18"/>
+      <p:italic r:id="rId19"/>
+      <p:boldItalic r:id="rId20"/>
     </p:embeddedFont>
     <p:embeddedFont>
       <p:font typeface="맑은 고딕" panose="020B0503020000020004" pitchFamily="50" charset="-127"/>
-      <p:regular r:id="rId17"/>
-      <p:bold r:id="rId18"/>
+      <p:regular r:id="rId21"/>
+      <p:bold r:id="rId22"/>
     </p:embeddedFont>
     <p:embeddedFont>
-      <p:font typeface="Century Gothic" panose="020B0502020202020204" pitchFamily="34" charset="0"/>
-      <p:regular r:id="rId19"/>
-      <p:bold r:id="rId20"/>
-      <p:italic r:id="rId21"/>
-      <p:boldItalic r:id="rId22"/>
+      <p:font typeface="맑은 고딕" panose="020B0503020000020004" pitchFamily="50" charset="-127"/>
+      <p:regular r:id="rId21"/>
+      <p:bold r:id="rId22"/>
     </p:embeddedFont>
   </p:embeddedFontLst>
   <p:defaultTextStyle>
@@ -25988,20 +25988,7 @@
                 <a:sym typeface="Malgun Gothic"/>
                 <a:hlinkClick r:id="rId3"/>
               </a:rPr>
-              <a:t>Train DataSet : </a:t>
-            </a:r>
-            <a:r>
-              <a:rPr lang="ko" sz="1400" b="1" u="sng" dirty="0">
-                <a:solidFill>
-                  <a:schemeClr val="hlink"/>
-                </a:solidFill>
-                <a:latin typeface="Malgun Gothic"/>
-                <a:ea typeface="Malgun Gothic"/>
-                <a:cs typeface="Malgun Gothic"/>
-                <a:sym typeface="Malgun Gothic"/>
-                <a:hlinkClick r:id="rId3"/>
-              </a:rPr>
-              <a:t>DAIGT Proper Train Dataset</a:t>
+              <a:t>Train DataSet : DAIGT Proper Train Dataset</a:t>
             </a:r>
             <a:endParaRPr sz="1400" b="1" dirty="0">
               <a:solidFill>
@@ -26422,7 +26409,7 @@
         <p:spPr>
           <a:xfrm>
             <a:off x="387050" y="1156855"/>
-            <a:ext cx="8107200" cy="2770500"/>
+            <a:ext cx="8107200" cy="2769959"/>
           </a:xfrm>
           <a:prstGeom prst="rect">
             <a:avLst/>
@@ -26450,21 +26437,36 @@
               <a:buNone/>
             </a:pPr>
             <a:r>
+              <a:rPr lang="ko-KR" altLang="en-US" dirty="0"/>
+              <a:t>전국 대학교 </a:t>
+            </a:r>
+            <a:r>
               <a:rPr lang="ko" dirty="0"/>
-              <a:t>한양대, 경희대, 고려대, 인하대… 등 2014~2024 출제된 논술기출, 모의논술 문제</a:t>
+              <a:t>2014~2024 </a:t>
             </a:r>
-            <a:endParaRPr dirty="0"/>
+            <a:r>
+              <a:rPr lang="ko-KR" altLang="en-US" dirty="0"/>
+              <a:t>기출문제</a:t>
+            </a:r>
+            <a:r>
+              <a:rPr lang="en-US" altLang="ko-KR" dirty="0"/>
+              <a:t>, </a:t>
+            </a:r>
+            <a:r>
+              <a:rPr lang="ko-KR" altLang="en-US" dirty="0"/>
+              <a:t>모의논술</a:t>
+            </a:r>
+            <a:endParaRPr lang="en-US" altLang="ko-KR" dirty="0"/>
           </a:p>
           <a:p>
-            <a:pPr marL="457200" lvl="0" indent="-317500" algn="l" rtl="0">
-              <a:spcBef>
-                <a:spcPts val="0"/>
-              </a:spcBef>
-              <a:spcAft>
-                <a:spcPts val="0"/>
-              </a:spcAft>
-              <a:buSzPts val="1400"/>
-              <a:buAutoNum type="arabicPeriod"/>
+            <a:pPr marL="0" lvl="0" indent="0" algn="l" rtl="0">
+              <a:spcBef>
+                <a:spcPts val="0"/>
+              </a:spcBef>
+              <a:spcAft>
+                <a:spcPts val="0"/>
+              </a:spcAft>
+              <a:buNone/>
             </a:pPr>
             <a:r>
               <a:rPr lang="ko" dirty="0"/>
@@ -26689,19 +26691,37 @@
               <a:buNone/>
             </a:pPr>
             <a:r>
-              <a:rPr lang="ko"/>
+              <a:rPr lang="ko" dirty="0"/>
               <a:t>● </a:t>
             </a:r>
             <a:r>
-              <a:rPr lang="ko" b="1">
+              <a:rPr lang="ko" b="1" dirty="0">
                 <a:latin typeface="Malgun Gothic"/>
                 <a:ea typeface="Malgun Gothic"/>
                 <a:cs typeface="Malgun Gothic"/>
                 <a:sym typeface="Malgun Gothic"/>
               </a:rPr>
-              <a:t>인문논술 Dataset  </a:t>
+              <a:t>인문</a:t>
             </a:r>
-            <a:endParaRPr sz="1400" b="1">
+            <a:r>
+              <a:rPr lang="ko-KR" altLang="en-US" b="1" dirty="0">
+                <a:latin typeface="Malgun Gothic"/>
+                <a:ea typeface="Malgun Gothic"/>
+                <a:cs typeface="Malgun Gothic"/>
+                <a:sym typeface="Malgun Gothic"/>
+              </a:rPr>
+              <a:t>사회 </a:t>
+            </a:r>
+            <a:r>
+              <a:rPr lang="ko" b="1" dirty="0">
+                <a:latin typeface="Malgun Gothic"/>
+                <a:ea typeface="Malgun Gothic"/>
+                <a:cs typeface="Malgun Gothic"/>
+                <a:sym typeface="Malgun Gothic"/>
+              </a:rPr>
+              <a:t>논술 Dataset  </a:t>
+            </a:r>
+            <a:endParaRPr sz="1400" b="1" dirty="0">
               <a:solidFill>
                 <a:schemeClr val="dk1"/>
               </a:solidFill>
@@ -26752,7 +26772,19 @@
             </a:pPr>
             <a:r>
               <a:rPr lang="ko" sz="1300" dirty="0"/>
-              <a:t>예시1: </a:t>
+              <a:t>예시1</a:t>
+            </a:r>
+            <a:r>
+              <a:rPr lang="en-US" altLang="ko" sz="1300" dirty="0"/>
+              <a:t> </a:t>
+            </a:r>
+            <a:r>
+              <a:rPr lang="ko" sz="1300" dirty="0"/>
+              <a:t>:</a:t>
+            </a:r>
+            <a:r>
+              <a:rPr lang="en-US" altLang="ko" sz="1300" dirty="0"/>
+              <a:t> </a:t>
             </a:r>
             <a:r>
               <a:rPr lang="en-US" altLang="ko" sz="1300" u="sng" dirty="0">
@@ -26810,6 +26842,14 @@
               <a:t>예시2 :</a:t>
             </a:r>
             <a:r>
+              <a:rPr lang="en-US" altLang="ko" sz="1300" dirty="0">
+                <a:solidFill>
+                  <a:schemeClr val="dk1"/>
+                </a:solidFill>
+              </a:rPr>
+              <a:t> </a:t>
+            </a:r>
+            <a:r>
               <a:rPr lang="ko" sz="1300" u="sng" dirty="0">
                 <a:solidFill>
                   <a:schemeClr val="hlink"/>
@@ -26834,16 +26874,7 @@
                 </a:solidFill>
                 <a:hlinkClick r:id="rId3"/>
               </a:rPr>
-              <a:t>년도 </a:t>
-            </a:r>
-            <a:r>
-              <a:rPr lang="ko-KR" altLang="en-US" sz="1300" u="sng" dirty="0" err="1">
-                <a:solidFill>
-                  <a:schemeClr val="hlink"/>
-                </a:solidFill>
-                <a:hlinkClick r:id="rId3"/>
-              </a:rPr>
-              <a:t>연세대학교인문논술사회문제</a:t>
+              <a:t>년도 연세대학교 인문논술문제</a:t>
             </a:r>
             <a:endParaRPr sz="1300" dirty="0"/>
           </a:p>
